--- a/resources/icons/tempIcon.pptx
+++ b/resources/icons/tempIcon.pptx
@@ -262,7 +262,7 @@
           <a:p>
             <a:fld id="{B6C0CE15-8087-424E-8BF8-B481A5F4561E}" type="datetimeFigureOut">
               <a:rPr lang="en-US" smtClean="0"/>
-              <a:t>6/4/2022</a:t>
+              <a:t>6/9/2022</a:t>
             </a:fld>
             <a:endParaRPr lang="en-US"/>
           </a:p>
@@ -460,7 +460,7 @@
           <a:p>
             <a:fld id="{B6C0CE15-8087-424E-8BF8-B481A5F4561E}" type="datetimeFigureOut">
               <a:rPr lang="en-US" smtClean="0"/>
-              <a:t>6/4/2022</a:t>
+              <a:t>6/9/2022</a:t>
             </a:fld>
             <a:endParaRPr lang="en-US"/>
           </a:p>
@@ -668,7 +668,7 @@
           <a:p>
             <a:fld id="{B6C0CE15-8087-424E-8BF8-B481A5F4561E}" type="datetimeFigureOut">
               <a:rPr lang="en-US" smtClean="0"/>
-              <a:t>6/4/2022</a:t>
+              <a:t>6/9/2022</a:t>
             </a:fld>
             <a:endParaRPr lang="en-US"/>
           </a:p>
@@ -866,7 +866,7 @@
           <a:p>
             <a:fld id="{B6C0CE15-8087-424E-8BF8-B481A5F4561E}" type="datetimeFigureOut">
               <a:rPr lang="en-US" smtClean="0"/>
-              <a:t>6/4/2022</a:t>
+              <a:t>6/9/2022</a:t>
             </a:fld>
             <a:endParaRPr lang="en-US"/>
           </a:p>
@@ -1141,7 +1141,7 @@
           <a:p>
             <a:fld id="{B6C0CE15-8087-424E-8BF8-B481A5F4561E}" type="datetimeFigureOut">
               <a:rPr lang="en-US" smtClean="0"/>
-              <a:t>6/4/2022</a:t>
+              <a:t>6/9/2022</a:t>
             </a:fld>
             <a:endParaRPr lang="en-US"/>
           </a:p>
@@ -1406,7 +1406,7 @@
           <a:p>
             <a:fld id="{B6C0CE15-8087-424E-8BF8-B481A5F4561E}" type="datetimeFigureOut">
               <a:rPr lang="en-US" smtClean="0"/>
-              <a:t>6/4/2022</a:t>
+              <a:t>6/9/2022</a:t>
             </a:fld>
             <a:endParaRPr lang="en-US"/>
           </a:p>
@@ -1818,7 +1818,7 @@
           <a:p>
             <a:fld id="{B6C0CE15-8087-424E-8BF8-B481A5F4561E}" type="datetimeFigureOut">
               <a:rPr lang="en-US" smtClean="0"/>
-              <a:t>6/4/2022</a:t>
+              <a:t>6/9/2022</a:t>
             </a:fld>
             <a:endParaRPr lang="en-US"/>
           </a:p>
@@ -1959,7 +1959,7 @@
           <a:p>
             <a:fld id="{B6C0CE15-8087-424E-8BF8-B481A5F4561E}" type="datetimeFigureOut">
               <a:rPr lang="en-US" smtClean="0"/>
-              <a:t>6/4/2022</a:t>
+              <a:t>6/9/2022</a:t>
             </a:fld>
             <a:endParaRPr lang="en-US"/>
           </a:p>
@@ -2072,7 +2072,7 @@
           <a:p>
             <a:fld id="{B6C0CE15-8087-424E-8BF8-B481A5F4561E}" type="datetimeFigureOut">
               <a:rPr lang="en-US" smtClean="0"/>
-              <a:t>6/4/2022</a:t>
+              <a:t>6/9/2022</a:t>
             </a:fld>
             <a:endParaRPr lang="en-US"/>
           </a:p>
@@ -2383,7 +2383,7 @@
           <a:p>
             <a:fld id="{B6C0CE15-8087-424E-8BF8-B481A5F4561E}" type="datetimeFigureOut">
               <a:rPr lang="en-US" smtClean="0"/>
-              <a:t>6/4/2022</a:t>
+              <a:t>6/9/2022</a:t>
             </a:fld>
             <a:endParaRPr lang="en-US"/>
           </a:p>
@@ -2671,7 +2671,7 @@
           <a:p>
             <a:fld id="{B6C0CE15-8087-424E-8BF8-B481A5F4561E}" type="datetimeFigureOut">
               <a:rPr lang="en-US" smtClean="0"/>
-              <a:t>6/4/2022</a:t>
+              <a:t>6/9/2022</a:t>
             </a:fld>
             <a:endParaRPr lang="en-US"/>
           </a:p>
@@ -2912,7 +2912,7 @@
           <a:p>
             <a:fld id="{B6C0CE15-8087-424E-8BF8-B481A5F4561E}" type="datetimeFigureOut">
               <a:rPr lang="en-US" smtClean="0"/>
-              <a:t>6/4/2022</a:t>
+              <a:t>6/9/2022</a:t>
             </a:fld>
             <a:endParaRPr lang="en-US"/>
           </a:p>
@@ -3584,10 +3584,10 @@
       </p:grpSpPr>
       <p:grpSp>
         <p:nvGrpSpPr>
-          <p:cNvPr id="3" name="Group 2">
-            <a:extLst>
-              <a:ext uri="{FF2B5EF4-FFF2-40B4-BE49-F238E27FC236}">
-                <a16:creationId xmlns:a16="http://schemas.microsoft.com/office/drawing/2014/main" id="{EDE73F6C-B42A-0F55-B975-D2951D1B2A92}"/>
+          <p:cNvPr id="2" name="Group 1">
+            <a:extLst>
+              <a:ext uri="{FF2B5EF4-FFF2-40B4-BE49-F238E27FC236}">
+                <a16:creationId xmlns:a16="http://schemas.microsoft.com/office/drawing/2014/main" id="{DE91E076-0542-C9BE-E70B-17ED1CB79BDD}"/>
               </a:ext>
             </a:extLst>
           </p:cNvPr>
@@ -3596,10 +3596,10 @@
         </p:nvGrpSpPr>
         <p:grpSpPr>
           <a:xfrm>
-            <a:off x="2262353" y="1708613"/>
-            <a:ext cx="1056444" cy="1281169"/>
-            <a:chOff x="2262353" y="1708613"/>
-            <a:chExt cx="1056444" cy="1281169"/>
+            <a:off x="3657600" y="990600"/>
+            <a:ext cx="914400" cy="1350253"/>
+            <a:chOff x="3657600" y="990600"/>
+            <a:chExt cx="914400" cy="1350253"/>
           </a:xfrm>
         </p:grpSpPr>
         <p:sp>
@@ -3616,8 +3616,8 @@
           </p:nvSpPr>
           <p:spPr>
             <a:xfrm>
-              <a:off x="2262353" y="2682005"/>
-              <a:ext cx="1056444" cy="307777"/>
+              <a:off x="3724308" y="2033076"/>
+              <a:ext cx="780983" cy="307777"/>
             </a:xfrm>
             <a:prstGeom prst="rect">
               <a:avLst/>
@@ -3642,7 +3642,7 @@
                   <a:latin typeface="Arial" panose="020B0604020202020204" pitchFamily="34" charset="0"/>
                   <a:cs typeface="Arial" panose="020B0604020202020204" pitchFamily="34" charset="0"/>
                 </a:rPr>
-                <a:t>SAGA GIS</a:t>
+                <a:t>GitHub</a:t>
               </a:r>
               <a:endParaRPr lang="en-US" sz="1100" b="1" dirty="0">
                 <a:solidFill>
@@ -3659,10 +3659,10 @@
         </p:sp>
         <p:pic>
           <p:nvPicPr>
-            <p:cNvPr id="6" name="Picture 2">
+            <p:cNvPr id="1026" name="Picture 2" descr="Github Logo Images | Free Vectors, Stock Photos &amp; PSD">
               <a:extLst>
                 <a:ext uri="{FF2B5EF4-FFF2-40B4-BE49-F238E27FC236}">
-                  <a16:creationId xmlns:a16="http://schemas.microsoft.com/office/drawing/2014/main" id="{36827ADA-7B31-2492-CABF-5268FFBDBC31}"/>
+                  <a16:creationId xmlns:a16="http://schemas.microsoft.com/office/drawing/2014/main" id="{6AF40BD5-EE19-6F46-8C91-FCBFEB8B2A47}"/>
                 </a:ext>
               </a:extLst>
             </p:cNvPr>
@@ -3686,7 +3686,7 @@
           </p:blipFill>
           <p:spPr bwMode="auto">
             <a:xfrm>
-              <a:off x="2350108" y="1708613"/>
+              <a:off x="3657600" y="990600"/>
               <a:ext cx="914400" cy="914400"/>
             </a:xfrm>
             <a:prstGeom prst="rect">

--- a/resources/icons/tempIcon.pptx
+++ b/resources/icons/tempIcon.pptx
@@ -262,7 +262,7 @@
           <a:p>
             <a:fld id="{B6C0CE15-8087-424E-8BF8-B481A5F4561E}" type="datetimeFigureOut">
               <a:rPr lang="en-US" smtClean="0"/>
-              <a:t>6/9/2022</a:t>
+              <a:t>6/11/2022</a:t>
             </a:fld>
             <a:endParaRPr lang="en-US"/>
           </a:p>
@@ -460,7 +460,7 @@
           <a:p>
             <a:fld id="{B6C0CE15-8087-424E-8BF8-B481A5F4561E}" type="datetimeFigureOut">
               <a:rPr lang="en-US" smtClean="0"/>
-              <a:t>6/9/2022</a:t>
+              <a:t>6/11/2022</a:t>
             </a:fld>
             <a:endParaRPr lang="en-US"/>
           </a:p>
@@ -668,7 +668,7 @@
           <a:p>
             <a:fld id="{B6C0CE15-8087-424E-8BF8-B481A5F4561E}" type="datetimeFigureOut">
               <a:rPr lang="en-US" smtClean="0"/>
-              <a:t>6/9/2022</a:t>
+              <a:t>6/11/2022</a:t>
             </a:fld>
             <a:endParaRPr lang="en-US"/>
           </a:p>
@@ -866,7 +866,7 @@
           <a:p>
             <a:fld id="{B6C0CE15-8087-424E-8BF8-B481A5F4561E}" type="datetimeFigureOut">
               <a:rPr lang="en-US" smtClean="0"/>
-              <a:t>6/9/2022</a:t>
+              <a:t>6/11/2022</a:t>
             </a:fld>
             <a:endParaRPr lang="en-US"/>
           </a:p>
@@ -1141,7 +1141,7 @@
           <a:p>
             <a:fld id="{B6C0CE15-8087-424E-8BF8-B481A5F4561E}" type="datetimeFigureOut">
               <a:rPr lang="en-US" smtClean="0"/>
-              <a:t>6/9/2022</a:t>
+              <a:t>6/11/2022</a:t>
             </a:fld>
             <a:endParaRPr lang="en-US"/>
           </a:p>
@@ -1406,7 +1406,7 @@
           <a:p>
             <a:fld id="{B6C0CE15-8087-424E-8BF8-B481A5F4561E}" type="datetimeFigureOut">
               <a:rPr lang="en-US" smtClean="0"/>
-              <a:t>6/9/2022</a:t>
+              <a:t>6/11/2022</a:t>
             </a:fld>
             <a:endParaRPr lang="en-US"/>
           </a:p>
@@ -1818,7 +1818,7 @@
           <a:p>
             <a:fld id="{B6C0CE15-8087-424E-8BF8-B481A5F4561E}" type="datetimeFigureOut">
               <a:rPr lang="en-US" smtClean="0"/>
-              <a:t>6/9/2022</a:t>
+              <a:t>6/11/2022</a:t>
             </a:fld>
             <a:endParaRPr lang="en-US"/>
           </a:p>
@@ -1959,7 +1959,7 @@
           <a:p>
             <a:fld id="{B6C0CE15-8087-424E-8BF8-B481A5F4561E}" type="datetimeFigureOut">
               <a:rPr lang="en-US" smtClean="0"/>
-              <a:t>6/9/2022</a:t>
+              <a:t>6/11/2022</a:t>
             </a:fld>
             <a:endParaRPr lang="en-US"/>
           </a:p>
@@ -2072,7 +2072,7 @@
           <a:p>
             <a:fld id="{B6C0CE15-8087-424E-8BF8-B481A5F4561E}" type="datetimeFigureOut">
               <a:rPr lang="en-US" smtClean="0"/>
-              <a:t>6/9/2022</a:t>
+              <a:t>6/11/2022</a:t>
             </a:fld>
             <a:endParaRPr lang="en-US"/>
           </a:p>
@@ -2383,7 +2383,7 @@
           <a:p>
             <a:fld id="{B6C0CE15-8087-424E-8BF8-B481A5F4561E}" type="datetimeFigureOut">
               <a:rPr lang="en-US" smtClean="0"/>
-              <a:t>6/9/2022</a:t>
+              <a:t>6/11/2022</a:t>
             </a:fld>
             <a:endParaRPr lang="en-US"/>
           </a:p>
@@ -2671,7 +2671,7 @@
           <a:p>
             <a:fld id="{B6C0CE15-8087-424E-8BF8-B481A5F4561E}" type="datetimeFigureOut">
               <a:rPr lang="en-US" smtClean="0"/>
-              <a:t>6/9/2022</a:t>
+              <a:t>6/11/2022</a:t>
             </a:fld>
             <a:endParaRPr lang="en-US"/>
           </a:p>
@@ -2912,7 +2912,7 @@
           <a:p>
             <a:fld id="{B6C0CE15-8087-424E-8BF8-B481A5F4561E}" type="datetimeFigureOut">
               <a:rPr lang="en-US" smtClean="0"/>
-              <a:t>6/9/2022</a:t>
+              <a:t>6/11/2022</a:t>
             </a:fld>
             <a:endParaRPr lang="en-US"/>
           </a:p>
@@ -3584,10 +3584,10 @@
       </p:grpSpPr>
       <p:grpSp>
         <p:nvGrpSpPr>
-          <p:cNvPr id="2" name="Group 1">
-            <a:extLst>
-              <a:ext uri="{FF2B5EF4-FFF2-40B4-BE49-F238E27FC236}">
-                <a16:creationId xmlns:a16="http://schemas.microsoft.com/office/drawing/2014/main" id="{DE91E076-0542-C9BE-E70B-17ED1CB79BDD}"/>
+          <p:cNvPr id="4" name="Group 3">
+            <a:extLst>
+              <a:ext uri="{FF2B5EF4-FFF2-40B4-BE49-F238E27FC236}">
+                <a16:creationId xmlns:a16="http://schemas.microsoft.com/office/drawing/2014/main" id="{D9D318F6-185A-6159-C957-65EF4D8447DE}"/>
               </a:ext>
             </a:extLst>
           </p:cNvPr>
@@ -3596,10 +3596,10 @@
         </p:nvGrpSpPr>
         <p:grpSpPr>
           <a:xfrm>
-            <a:off x="3657600" y="990600"/>
-            <a:ext cx="914400" cy="1350253"/>
-            <a:chOff x="3657600" y="990600"/>
-            <a:chExt cx="914400" cy="1350253"/>
+            <a:off x="5089868" y="1237398"/>
+            <a:ext cx="914400" cy="1303837"/>
+            <a:chOff x="5089868" y="1237398"/>
+            <a:chExt cx="914400" cy="1303837"/>
           </a:xfrm>
         </p:grpSpPr>
         <p:sp>
@@ -3616,8 +3616,8 @@
           </p:nvSpPr>
           <p:spPr>
             <a:xfrm>
-              <a:off x="3724308" y="2033076"/>
-              <a:ext cx="780983" cy="307777"/>
+              <a:off x="5131730" y="2233458"/>
+              <a:ext cx="830677" cy="307777"/>
             </a:xfrm>
             <a:prstGeom prst="rect">
               <a:avLst/>
@@ -3632,7 +3632,7 @@
             <a:p>
               <a:pPr algn="ctr"/>
               <a:r>
-                <a:rPr lang="en-US" sz="1400" b="1" dirty="0">
+                <a:rPr lang="en-US" sz="1400" b="1" dirty="0" err="1">
                   <a:solidFill>
                     <a:schemeClr val="tx1">
                       <a:lumMod val="85000"/>
@@ -3642,7 +3642,7 @@
                   <a:latin typeface="Arial" panose="020B0604020202020204" pitchFamily="34" charset="0"/>
                   <a:cs typeface="Arial" panose="020B0604020202020204" pitchFamily="34" charset="0"/>
                 </a:rPr>
-                <a:t>GitHub</a:t>
+                <a:t>IQMaps</a:t>
               </a:r>
               <a:endParaRPr lang="en-US" sz="1100" b="1" dirty="0">
                 <a:solidFill>
@@ -3659,15 +3659,15 @@
         </p:sp>
         <p:pic>
           <p:nvPicPr>
-            <p:cNvPr id="1026" name="Picture 2" descr="Github Logo Images | Free Vectors, Stock Photos &amp; PSD">
+            <p:cNvPr id="3" name="Picture 2" descr="Icon&#10;&#10;Description automatically generated">
               <a:extLst>
                 <a:ext uri="{FF2B5EF4-FFF2-40B4-BE49-F238E27FC236}">
-                  <a16:creationId xmlns:a16="http://schemas.microsoft.com/office/drawing/2014/main" id="{6AF40BD5-EE19-6F46-8C91-FCBFEB8B2A47}"/>
+                  <a16:creationId xmlns:a16="http://schemas.microsoft.com/office/drawing/2014/main" id="{A7CDC1C8-BAA2-4A32-5243-F21F587248EC}"/>
                 </a:ext>
               </a:extLst>
             </p:cNvPr>
             <p:cNvPicPr>
-              <a:picLocks noChangeAspect="1" noChangeArrowheads="1"/>
+              <a:picLocks noChangeAspect="1"/>
             </p:cNvPicPr>
             <p:nvPr/>
           </p:nvPicPr>
@@ -3679,29 +3679,18 @@
                 </a:ext>
               </a:extLst>
             </a:blip>
-            <a:srcRect/>
             <a:stretch>
               <a:fillRect/>
             </a:stretch>
           </p:blipFill>
-          <p:spPr bwMode="auto">
+          <p:spPr>
             <a:xfrm>
-              <a:off x="3657600" y="990600"/>
+              <a:off x="5089868" y="1237398"/>
               <a:ext cx="914400" cy="914400"/>
             </a:xfrm>
             <a:prstGeom prst="rect">
               <a:avLst/>
             </a:prstGeom>
-            <a:noFill/>
-            <a:extLst>
-              <a:ext uri="{909E8E84-426E-40DD-AFC4-6F175D3DCCD1}">
-                <a14:hiddenFill xmlns:a14="http://schemas.microsoft.com/office/drawing/2010/main">
-                  <a:solidFill>
-                    <a:srgbClr val="FFFFFF"/>
-                  </a:solidFill>
-                </a14:hiddenFill>
-              </a:ext>
-            </a:extLst>
           </p:spPr>
         </p:pic>
       </p:grpSp>
